--- a/slides/Sultanah-Alshammari.pptx
+++ b/slides/Sultanah-Alshammari.pptx
@@ -209,7 +209,7 @@
             <a:fld id="{46435370-9D91-46A2-A910-CE60414C584E}" type="datetimeFigureOut">
               <a:rPr lang="zh-CN" altLang="en-US" smtClean="0"/>
               <a:pPr/>
-              <a:t>17/9/18</a:t>
+              <a:t>17/9/21</a:t>
             </a:fld>
             <a:endParaRPr lang="zh-CN" altLang="en-US"/>
           </a:p>
@@ -657,7 +657,7 @@
             <a:fld id="{A49A37E7-12E4-4A88-8373-BDA40F8C00E0}" type="datetime1">
               <a:rPr lang="zh-CN" altLang="en-US" smtClean="0"/>
               <a:pPr/>
-              <a:t>17/9/18</a:t>
+              <a:t>17/9/21</a:t>
             </a:fld>
             <a:endParaRPr lang="zh-CN" altLang="en-US"/>
           </a:p>
@@ -824,7 +824,7 @@
             <a:fld id="{99BD3E9E-C38B-4DD8-BE32-68D4B205F880}" type="datetime1">
               <a:rPr lang="zh-CN" altLang="en-US" smtClean="0"/>
               <a:pPr/>
-              <a:t>17/9/18</a:t>
+              <a:t>17/9/21</a:t>
             </a:fld>
             <a:endParaRPr lang="zh-CN" altLang="en-US"/>
           </a:p>
@@ -1001,7 +1001,7 @@
             <a:fld id="{CCFFCE61-B177-4876-B22D-D3F0B12E4FB6}" type="datetime1">
               <a:rPr lang="zh-CN" altLang="en-US" smtClean="0"/>
               <a:pPr/>
-              <a:t>17/9/18</a:t>
+              <a:t>17/9/21</a:t>
             </a:fld>
             <a:endParaRPr lang="zh-CN" altLang="en-US"/>
           </a:p>
@@ -1168,7 +1168,7 @@
             <a:fld id="{B7E054C1-EA4B-41E4-A24D-E9AF40DC7A25}" type="datetime1">
               <a:rPr lang="zh-CN" altLang="en-US" smtClean="0"/>
               <a:pPr/>
-              <a:t>17/9/18</a:t>
+              <a:t>17/9/21</a:t>
             </a:fld>
             <a:endParaRPr lang="zh-CN" altLang="en-US"/>
           </a:p>
@@ -1411,7 +1411,7 @@
             <a:fld id="{0006AB24-67A9-464C-9F1B-854909985D36}" type="datetime1">
               <a:rPr lang="zh-CN" altLang="en-US" smtClean="0"/>
               <a:pPr/>
-              <a:t>17/9/18</a:t>
+              <a:t>17/9/21</a:t>
             </a:fld>
             <a:endParaRPr lang="zh-CN" altLang="en-US"/>
           </a:p>
@@ -1696,7 +1696,7 @@
             <a:fld id="{D886FECD-1FA3-4E9B-B1DE-1BBDB371505A}" type="datetime1">
               <a:rPr lang="zh-CN" altLang="en-US" smtClean="0"/>
               <a:pPr/>
-              <a:t>17/9/18</a:t>
+              <a:t>17/9/21</a:t>
             </a:fld>
             <a:endParaRPr lang="zh-CN" altLang="en-US"/>
           </a:p>
@@ -2115,7 +2115,7 @@
             <a:fld id="{E4EDE1E5-8C38-4693-9064-F6C93BAE0D5F}" type="datetime1">
               <a:rPr lang="zh-CN" altLang="en-US" smtClean="0"/>
               <a:pPr/>
-              <a:t>17/9/18</a:t>
+              <a:t>17/9/21</a:t>
             </a:fld>
             <a:endParaRPr lang="zh-CN" altLang="en-US"/>
           </a:p>
@@ -2230,7 +2230,7 @@
             <a:fld id="{743A95A1-0FC7-4713-AEB2-C5F5F1D180C7}" type="datetime1">
               <a:rPr lang="zh-CN" altLang="en-US" smtClean="0"/>
               <a:pPr/>
-              <a:t>17/9/18</a:t>
+              <a:t>17/9/21</a:t>
             </a:fld>
             <a:endParaRPr lang="zh-CN" altLang="en-US"/>
           </a:p>
@@ -2322,7 +2322,7 @@
             <a:fld id="{CF2D7093-A2A8-4333-ADEF-E418E469B935}" type="datetime1">
               <a:rPr lang="zh-CN" altLang="en-US" smtClean="0"/>
               <a:pPr/>
-              <a:t>17/9/18</a:t>
+              <a:t>17/9/21</a:t>
             </a:fld>
             <a:endParaRPr lang="zh-CN" altLang="en-US"/>
           </a:p>
@@ -2596,7 +2596,7 @@
             <a:fld id="{35E89F56-B4C9-401A-9159-DDAE3F676951}" type="datetime1">
               <a:rPr lang="zh-CN" altLang="en-US" smtClean="0"/>
               <a:pPr/>
-              <a:t>17/9/18</a:t>
+              <a:t>17/9/21</a:t>
             </a:fld>
             <a:endParaRPr lang="zh-CN" altLang="en-US"/>
           </a:p>
@@ -2846,7 +2846,7 @@
             <a:fld id="{824DA265-191F-4E87-903C-CCF3DD1B3966}" type="datetime1">
               <a:rPr lang="zh-CN" altLang="en-US" smtClean="0"/>
               <a:pPr/>
-              <a:t>17/9/18</a:t>
+              <a:t>17/9/21</a:t>
             </a:fld>
             <a:endParaRPr lang="zh-CN" altLang="en-US"/>
           </a:p>
@@ -3056,7 +3056,7 @@
             <a:fld id="{F3F3830D-006F-4068-833F-F097B7B9073E}" type="datetime1">
               <a:rPr lang="zh-CN" altLang="en-US" smtClean="0"/>
               <a:pPr/>
-              <a:t>17/9/18</a:t>
+              <a:t>17/9/21</a:t>
             </a:fld>
             <a:endParaRPr lang="zh-CN" altLang="en-US"/>
           </a:p>
@@ -3583,26 +3583,8 @@
                 <a:ea typeface="Calibri" charset="0"/>
                 <a:cs typeface="Calibri" charset="0"/>
               </a:rPr>
-              <a:t>MS   King </a:t>
-            </a:r>
-            <a:r>
-              <a:rPr lang="en-US" dirty="0">
-                <a:ea typeface="Calibri" charset="0"/>
-                <a:cs typeface="Calibri" charset="0"/>
-              </a:rPr>
-              <a:t>Abdulaziz University, Jeddah, Saudi </a:t>
-            </a:r>
-            <a:r>
-              <a:rPr lang="en-US" dirty="0">
-                <a:ea typeface="Calibri" charset="0"/>
-                <a:cs typeface="Calibri" charset="0"/>
-              </a:rPr>
-              <a:t>Arabia, 2007  </a:t>
-            </a:r>
-            <a:endParaRPr lang="en-US" dirty="0">
-              <a:ea typeface="Calibri" charset="0"/>
-              <a:cs typeface="Calibri" charset="0"/>
-            </a:endParaRPr>
+              <a:t>MS   King Abdulaziz University, Jeddah, Saudi Arabia, 2007  </a:t>
+            </a:r>
           </a:p>
           <a:p>
             <a:pPr marL="742950" lvl="1" indent="-285750">
@@ -3617,14 +3599,7 @@
                 <a:ea typeface="Calibri" charset="0"/>
                 <a:cs typeface="Calibri" charset="0"/>
               </a:rPr>
-              <a:t>BS   </a:t>
-            </a:r>
-            <a:r>
-              <a:rPr lang="en-US" dirty="0">
-                <a:ea typeface="Calibri" charset="0"/>
-                <a:cs typeface="Calibri" charset="0"/>
-              </a:rPr>
-              <a:t>King </a:t>
+              <a:t>BS   King </a:t>
             </a:r>
             <a:r>
               <a:rPr lang="en-US" dirty="0" err="1">
@@ -3638,33 +3613,8 @@
                 <a:ea typeface="Calibri" charset="0"/>
                 <a:cs typeface="Calibri" charset="0"/>
               </a:rPr>
-              <a:t> University </a:t>
-            </a:r>
-            <a:r>
-              <a:rPr lang="en-US" dirty="0">
-                <a:ea typeface="Calibri" charset="0"/>
-                <a:cs typeface="Calibri" charset="0"/>
-              </a:rPr>
-              <a:t>, Jeddah</a:t>
-            </a:r>
-            <a:r>
-              <a:rPr lang="en-US" dirty="0">
-                <a:ea typeface="Calibri" charset="0"/>
-                <a:cs typeface="Calibri" charset="0"/>
-              </a:rPr>
-              <a:t>, Saudi </a:t>
-            </a:r>
-            <a:r>
-              <a:rPr lang="en-US" dirty="0">
-                <a:ea typeface="Calibri" charset="0"/>
-                <a:cs typeface="Calibri" charset="0"/>
-              </a:rPr>
-              <a:t>Arabia, 1996  </a:t>
-            </a:r>
-            <a:endParaRPr lang="en-US" dirty="0">
-              <a:ea typeface="Calibri" charset="0"/>
-              <a:cs typeface="Calibri" charset="0"/>
-            </a:endParaRPr>
+              <a:t> University , Jeddah, Saudi Arabia, 1996  </a:t>
+            </a:r>
           </a:p>
         </p:txBody>
       </p:sp>
@@ -4078,7 +4028,7 @@
               <a:rPr lang="en-US" dirty="0" smtClean="0">
                 <a:latin typeface="+mn-lt"/>
               </a:rPr>
-              <a:t>Research labs-entrepreneurship</a:t>
+              <a:t>Research labs</a:t>
             </a:r>
             <a:endParaRPr lang="en-US" dirty="0">
               <a:latin typeface="+mn-lt"/>
